--- a/Tutorial_material/20190911/20190911.pptx
+++ b/Tutorial_material/20190911/20190911.pptx
@@ -268,7 +268,7 @@
           <a:p>
             <a:fld id="{BB3ED7BE-9699-4730-862C-EF35613A3226}" type="datetimeFigureOut">
               <a:rPr lang="zh-CN" altLang="en-US" smtClean="0"/>
-              <a:t>2019/9/10</a:t>
+              <a:t>2019/9/11</a:t>
             </a:fld>
             <a:endParaRPr lang="zh-CN" altLang="en-US"/>
           </a:p>
@@ -466,7 +466,7 @@
           <a:p>
             <a:fld id="{BB3ED7BE-9699-4730-862C-EF35613A3226}" type="datetimeFigureOut">
               <a:rPr lang="zh-CN" altLang="en-US" smtClean="0"/>
-              <a:t>2019/9/10</a:t>
+              <a:t>2019/9/11</a:t>
             </a:fld>
             <a:endParaRPr lang="zh-CN" altLang="en-US"/>
           </a:p>
@@ -674,7 +674,7 @@
           <a:p>
             <a:fld id="{BB3ED7BE-9699-4730-862C-EF35613A3226}" type="datetimeFigureOut">
               <a:rPr lang="zh-CN" altLang="en-US" smtClean="0"/>
-              <a:t>2019/9/10</a:t>
+              <a:t>2019/9/11</a:t>
             </a:fld>
             <a:endParaRPr lang="zh-CN" altLang="en-US"/>
           </a:p>
@@ -872,7 +872,7 @@
           <a:p>
             <a:fld id="{BB3ED7BE-9699-4730-862C-EF35613A3226}" type="datetimeFigureOut">
               <a:rPr lang="zh-CN" altLang="en-US" smtClean="0"/>
-              <a:t>2019/9/10</a:t>
+              <a:t>2019/9/11</a:t>
             </a:fld>
             <a:endParaRPr lang="zh-CN" altLang="en-US"/>
           </a:p>
@@ -1147,7 +1147,7 @@
           <a:p>
             <a:fld id="{BB3ED7BE-9699-4730-862C-EF35613A3226}" type="datetimeFigureOut">
               <a:rPr lang="zh-CN" altLang="en-US" smtClean="0"/>
-              <a:t>2019/9/10</a:t>
+              <a:t>2019/9/11</a:t>
             </a:fld>
             <a:endParaRPr lang="zh-CN" altLang="en-US"/>
           </a:p>
@@ -1412,7 +1412,7 @@
           <a:p>
             <a:fld id="{BB3ED7BE-9699-4730-862C-EF35613A3226}" type="datetimeFigureOut">
               <a:rPr lang="zh-CN" altLang="en-US" smtClean="0"/>
-              <a:t>2019/9/10</a:t>
+              <a:t>2019/9/11</a:t>
             </a:fld>
             <a:endParaRPr lang="zh-CN" altLang="en-US"/>
           </a:p>
@@ -1824,7 +1824,7 @@
           <a:p>
             <a:fld id="{BB3ED7BE-9699-4730-862C-EF35613A3226}" type="datetimeFigureOut">
               <a:rPr lang="zh-CN" altLang="en-US" smtClean="0"/>
-              <a:t>2019/9/10</a:t>
+              <a:t>2019/9/11</a:t>
             </a:fld>
             <a:endParaRPr lang="zh-CN" altLang="en-US"/>
           </a:p>
@@ -1965,7 +1965,7 @@
           <a:p>
             <a:fld id="{BB3ED7BE-9699-4730-862C-EF35613A3226}" type="datetimeFigureOut">
               <a:rPr lang="zh-CN" altLang="en-US" smtClean="0"/>
-              <a:t>2019/9/10</a:t>
+              <a:t>2019/9/11</a:t>
             </a:fld>
             <a:endParaRPr lang="zh-CN" altLang="en-US"/>
           </a:p>
@@ -2078,7 +2078,7 @@
           <a:p>
             <a:fld id="{BB3ED7BE-9699-4730-862C-EF35613A3226}" type="datetimeFigureOut">
               <a:rPr lang="zh-CN" altLang="en-US" smtClean="0"/>
-              <a:t>2019/9/10</a:t>
+              <a:t>2019/9/11</a:t>
             </a:fld>
             <a:endParaRPr lang="zh-CN" altLang="en-US"/>
           </a:p>
@@ -2389,7 +2389,7 @@
           <a:p>
             <a:fld id="{BB3ED7BE-9699-4730-862C-EF35613A3226}" type="datetimeFigureOut">
               <a:rPr lang="zh-CN" altLang="en-US" smtClean="0"/>
-              <a:t>2019/9/10</a:t>
+              <a:t>2019/9/11</a:t>
             </a:fld>
             <a:endParaRPr lang="zh-CN" altLang="en-US"/>
           </a:p>
@@ -2677,7 +2677,7 @@
           <a:p>
             <a:fld id="{BB3ED7BE-9699-4730-862C-EF35613A3226}" type="datetimeFigureOut">
               <a:rPr lang="zh-CN" altLang="en-US" smtClean="0"/>
-              <a:t>2019/9/10</a:t>
+              <a:t>2019/9/11</a:t>
             </a:fld>
             <a:endParaRPr lang="zh-CN" altLang="en-US"/>
           </a:p>
@@ -2918,7 +2918,7 @@
           <a:p>
             <a:fld id="{BB3ED7BE-9699-4730-862C-EF35613A3226}" type="datetimeFigureOut">
               <a:rPr lang="zh-CN" altLang="en-US" smtClean="0"/>
-              <a:t>2019/9/10</a:t>
+              <a:t>2019/9/11</a:t>
             </a:fld>
             <a:endParaRPr lang="zh-CN" altLang="en-US"/>
           </a:p>
@@ -3505,15 +3505,15 @@
           <a:p>
             <a:r>
               <a:rPr lang="en-US" altLang="zh-CN" dirty="0"/>
-              <a:t>Go through </a:t>
-            </a:r>
-            <a:r>
-              <a:rPr lang="en-US" altLang="zh-CN" dirty="0" err="1"/>
-              <a:t>matlab</a:t>
-            </a:r>
-            <a:r>
-              <a:rPr lang="en-US" altLang="zh-CN" dirty="0"/>
-              <a:t> official document ‘get started’.</a:t>
+              <a:t>Go </a:t>
+            </a:r>
+            <a:r>
+              <a:rPr lang="en-US" altLang="zh-CN"/>
+              <a:t>through MATLAB </a:t>
+            </a:r>
+            <a:r>
+              <a:rPr lang="en-US" altLang="zh-CN" dirty="0"/>
+              <a:t>official document ‘get started’.</a:t>
             </a:r>
           </a:p>
           <a:p>
@@ -4064,35 +4064,19 @@
           <a:p>
             <a:r>
               <a:rPr lang="en-US" altLang="zh-CN" dirty="0"/>
-              <a:t>HKU provided us the </a:t>
-            </a:r>
-            <a:r>
-              <a:rPr lang="en-US" altLang="zh-CN" dirty="0" err="1"/>
-              <a:t>Matlab</a:t>
-            </a:r>
-            <a:r>
-              <a:rPr lang="en-US" altLang="zh-CN" dirty="0"/>
-              <a:t> and Simulink license this year, so we can just get access to it easily.</a:t>
-            </a:r>
-          </a:p>
-          <a:p>
-            <a:r>
-              <a:rPr lang="en-US" altLang="zh-CN" dirty="0" err="1"/>
-              <a:t>Matlab</a:t>
-            </a:r>
-            <a:r>
-              <a:rPr lang="en-US" altLang="zh-CN" dirty="0"/>
-              <a:t> is a compiler independent tool and doesn’t require any compiler to execute like as C, C++. Easy to install.</a:t>
-            </a:r>
-          </a:p>
-          <a:p>
-            <a:r>
-              <a:rPr lang="en-US" altLang="zh-CN" dirty="0" err="1"/>
-              <a:t>Matlab</a:t>
-            </a:r>
-            <a:r>
-              <a:rPr lang="en-US" altLang="zh-CN" dirty="0"/>
-              <a:t> is convenient and has a large community.</a:t>
+              <a:t>HKU provided us the MATLAB and Simulink license this year, so we can just get access to it easily.</a:t>
+            </a:r>
+          </a:p>
+          <a:p>
+            <a:r>
+              <a:rPr lang="en-US" altLang="zh-CN" dirty="0"/>
+              <a:t>MATLAB is a compiler independent tool and doesn’t require any compiler to execute like as C, C++. Easy to install.</a:t>
+            </a:r>
+          </a:p>
+          <a:p>
+            <a:r>
+              <a:rPr lang="en-US" altLang="zh-CN" dirty="0"/>
+              <a:t>MATLAB is convenient and has a large community.</a:t>
             </a:r>
           </a:p>
           <a:p>
@@ -4158,15 +4142,7 @@
           <a:p>
             <a:r>
               <a:rPr lang="en-US" altLang="zh-CN" dirty="0"/>
-              <a:t>Download and Install </a:t>
-            </a:r>
-            <a:r>
-              <a:rPr lang="en-US" altLang="zh-CN" dirty="0" err="1"/>
-              <a:t>Matlab</a:t>
-            </a:r>
-            <a:r>
-              <a:rPr lang="en-US" altLang="zh-CN" dirty="0"/>
-              <a:t> with HKU campus license</a:t>
+              <a:t>Download and Install MATLAB with HKU campus license</a:t>
             </a:r>
             <a:endParaRPr lang="zh-CN" altLang="en-US" dirty="0"/>
           </a:p>
@@ -4473,11 +4449,7 @@
           <a:p>
             <a:r>
               <a:rPr lang="en-US" altLang="zh-CN" dirty="0"/>
-              <a:t>Getting started with </a:t>
-            </a:r>
-            <a:r>
-              <a:rPr lang="en-US" altLang="zh-CN" dirty="0" err="1"/>
-              <a:t>Matlab</a:t>
+              <a:t>Getting started with MATLAB</a:t>
             </a:r>
             <a:endParaRPr lang="zh-CN" altLang="en-US" dirty="0"/>
           </a:p>
